--- a/Site/Autres/DEV WEB.pptx
+++ b/Site/Autres/DEV WEB.pptx
@@ -619,7 +619,7 @@
           <a:p>
             <a:fld id="{4AAD347D-5ACD-4C99-B74B-A9C85AD731AF}" type="datetimeFigureOut">
               <a:rPr lang="en-US" smtClean="0"/>
-              <a:t>4/17/2018</a:t>
+              <a:t>4/18/2018</a:t>
             </a:fld>
             <a:endParaRPr lang="en-US" dirty="0"/>
           </a:p>
@@ -915,7 +915,7 @@
           <a:p>
             <a:fld id="{4AAD347D-5ACD-4C99-B74B-A9C85AD731AF}" type="datetimeFigureOut">
               <a:rPr lang="en-US" smtClean="0"/>
-              <a:t>4/17/2018</a:t>
+              <a:t>4/18/2018</a:t>
             </a:fld>
             <a:endParaRPr lang="en-US" dirty="0"/>
           </a:p>
@@ -1164,7 +1164,7 @@
           <a:p>
             <a:fld id="{4509A250-FF31-4206-8172-F9D3106AACB1}" type="datetimeFigureOut">
               <a:rPr lang="en-US" smtClean="0"/>
-              <a:t>4/17/2018</a:t>
+              <a:t>4/18/2018</a:t>
             </a:fld>
             <a:endParaRPr lang="en-US" dirty="0"/>
           </a:p>
@@ -1704,7 +1704,7 @@
           <a:p>
             <a:fld id="{4509A250-FF31-4206-8172-F9D3106AACB1}" type="datetimeFigureOut">
               <a:rPr lang="en-US" smtClean="0"/>
-              <a:t>4/17/2018</a:t>
+              <a:t>4/18/2018</a:t>
             </a:fld>
             <a:endParaRPr lang="en-US" dirty="0"/>
           </a:p>
@@ -1952,7 +1952,7 @@
           <a:p>
             <a:fld id="{4509A250-FF31-4206-8172-F9D3106AACB1}" type="datetimeFigureOut">
               <a:rPr lang="en-US" smtClean="0"/>
-              <a:t>4/17/2018</a:t>
+              <a:t>4/18/2018</a:t>
             </a:fld>
             <a:endParaRPr lang="en-US" dirty="0"/>
           </a:p>
@@ -2484,7 +2484,7 @@
           <a:p>
             <a:fld id="{4AAD347D-5ACD-4C99-B74B-A9C85AD731AF}" type="datetimeFigureOut">
               <a:rPr lang="en-US" smtClean="0"/>
-              <a:t>4/17/2018</a:t>
+              <a:t>4/18/2018</a:t>
             </a:fld>
             <a:endParaRPr lang="en-US" dirty="0"/>
           </a:p>
@@ -2782,7 +2782,7 @@
           <a:p>
             <a:fld id="{4AAD347D-5ACD-4C99-B74B-A9C85AD731AF}" type="datetimeFigureOut">
               <a:rPr lang="en-US" smtClean="0"/>
-              <a:t>4/17/2018</a:t>
+              <a:t>4/18/2018</a:t>
             </a:fld>
             <a:endParaRPr lang="en-US" dirty="0"/>
           </a:p>
@@ -2957,7 +2957,7 @@
           <a:p>
             <a:fld id="{4509A250-FF31-4206-8172-F9D3106AACB1}" type="datetimeFigureOut">
               <a:rPr lang="en-US" smtClean="0"/>
-              <a:t>4/17/2018</a:t>
+              <a:t>4/18/2018</a:t>
             </a:fld>
             <a:endParaRPr lang="en-US" dirty="0"/>
           </a:p>
@@ -3137,7 +3137,7 @@
           <a:p>
             <a:fld id="{4509A250-FF31-4206-8172-F9D3106AACB1}" type="datetimeFigureOut">
               <a:rPr lang="en-US" smtClean="0"/>
-              <a:t>4/17/2018</a:t>
+              <a:t>4/18/2018</a:t>
             </a:fld>
             <a:endParaRPr lang="en-US" dirty="0"/>
           </a:p>
@@ -3307,7 +3307,7 @@
           <a:p>
             <a:fld id="{4509A250-FF31-4206-8172-F9D3106AACB1}" type="datetimeFigureOut">
               <a:rPr lang="en-US" smtClean="0"/>
-              <a:t>4/17/2018</a:t>
+              <a:t>4/18/2018</a:t>
             </a:fld>
             <a:endParaRPr lang="en-US" dirty="0"/>
           </a:p>
@@ -3558,7 +3558,7 @@
           <a:p>
             <a:fld id="{9796027F-7875-4030-9381-8BD8C4F21935}" type="datetimeFigureOut">
               <a:rPr lang="en-US" smtClean="0"/>
-              <a:t>4/17/2018</a:t>
+              <a:t>4/18/2018</a:t>
             </a:fld>
             <a:endParaRPr lang="en-US" dirty="0"/>
           </a:p>
@@ -3855,7 +3855,7 @@
           <a:p>
             <a:fld id="{9796027F-7875-4030-9381-8BD8C4F21935}" type="datetimeFigureOut">
               <a:rPr lang="en-US" smtClean="0"/>
-              <a:t>4/17/2018</a:t>
+              <a:t>4/18/2018</a:t>
             </a:fld>
             <a:endParaRPr lang="en-US" dirty="0"/>
           </a:p>
@@ -4297,7 +4297,7 @@
           <a:p>
             <a:fld id="{9796027F-7875-4030-9381-8BD8C4F21935}" type="datetimeFigureOut">
               <a:rPr lang="en-US" smtClean="0"/>
-              <a:t>4/17/2018</a:t>
+              <a:t>4/18/2018</a:t>
             </a:fld>
             <a:endParaRPr lang="en-US" dirty="0"/>
           </a:p>
@@ -4415,7 +4415,7 @@
           <a:p>
             <a:fld id="{4509A250-FF31-4206-8172-F9D3106AACB1}" type="datetimeFigureOut">
               <a:rPr lang="en-US" smtClean="0"/>
-              <a:t>4/17/2018</a:t>
+              <a:t>4/18/2018</a:t>
             </a:fld>
             <a:endParaRPr lang="en-US" dirty="0"/>
           </a:p>
@@ -4510,7 +4510,7 @@
           <a:p>
             <a:fld id="{4509A250-FF31-4206-8172-F9D3106AACB1}" type="datetimeFigureOut">
               <a:rPr lang="en-US" smtClean="0"/>
-              <a:t>4/17/2018</a:t>
+              <a:t>4/18/2018</a:t>
             </a:fld>
             <a:endParaRPr lang="en-US" dirty="0"/>
           </a:p>
@@ -4793,7 +4793,7 @@
           <a:p>
             <a:fld id="{4509A250-FF31-4206-8172-F9D3106AACB1}" type="datetimeFigureOut">
               <a:rPr lang="en-US" smtClean="0"/>
-              <a:t>4/17/2018</a:t>
+              <a:t>4/18/2018</a:t>
             </a:fld>
             <a:endParaRPr lang="en-US" dirty="0"/>
           </a:p>
@@ -5084,7 +5084,7 @@
           <a:p>
             <a:fld id="{4509A250-FF31-4206-8172-F9D3106AACB1}" type="datetimeFigureOut">
               <a:rPr lang="en-US" smtClean="0"/>
-              <a:t>4/17/2018</a:t>
+              <a:t>4/18/2018</a:t>
             </a:fld>
             <a:endParaRPr lang="en-US" dirty="0"/>
           </a:p>
@@ -5614,7 +5614,7 @@
           <a:p>
             <a:fld id="{4AAD347D-5ACD-4C99-B74B-A9C85AD731AF}" type="datetimeFigureOut">
               <a:rPr lang="en-US" smtClean="0"/>
-              <a:t>4/17/2018</a:t>
+              <a:t>4/18/2018</a:t>
             </a:fld>
             <a:endParaRPr lang="en-US" dirty="0"/>
           </a:p>
@@ -6764,7 +6764,9 @@
         </p:nvSpPr>
         <p:spPr/>
         <p:txBody>
-          <a:bodyPr/>
+          <a:bodyPr>
+            <a:normAutofit/>
+          </a:bodyPr>
           <a:lstStyle/>
           <a:p>
             <a:pPr>
@@ -6772,7 +6774,7 @@
               <a:buChar char="Ø"/>
             </a:pPr>
             <a:r>
-              <a:rPr lang="fr-FR" dirty="0"/>
+              <a:rPr lang="fr-FR" sz="3600" dirty="0"/>
               <a:t> Changer le Design</a:t>
             </a:r>
           </a:p>
@@ -6782,7 +6784,7 @@
               <a:buChar char="Ø"/>
             </a:pPr>
             <a:r>
-              <a:rPr lang="fr-FR" dirty="0"/>
+              <a:rPr lang="fr-FR" sz="3600" dirty="0"/>
               <a:t> Étude du marché (parrainage)</a:t>
             </a:r>
           </a:p>
@@ -6792,7 +6794,7 @@
               <a:buChar char="Ø"/>
             </a:pPr>
             <a:r>
-              <a:rPr lang="fr-FR" dirty="0"/>
+              <a:rPr lang="fr-FR" sz="3600" dirty="0"/>
               <a:t> Déployer le site en ligne</a:t>
             </a:r>
           </a:p>
@@ -6801,7 +6803,7 @@
               <a:buFont typeface="Wingdings" panose="05000000000000000000" pitchFamily="2" charset="2"/>
               <a:buChar char="Ø"/>
             </a:pPr>
-            <a:endParaRPr lang="fr-FR" dirty="0"/>
+            <a:endParaRPr lang="fr-FR" sz="3600" dirty="0"/>
           </a:p>
         </p:txBody>
       </p:sp>
